--- a/resources/fig/umsetzung/U2/concept_lane_envelope.pptx
+++ b/resources/fig/umsetzung/U2/concept_lane_envelope.pptx
@@ -244,7 +244,7 @@
           <a:p>
             <a:fld id="{C7D908DB-A6BF-45EC-838E-C3658A186B89}" type="datetimeFigureOut">
               <a:rPr lang="de-DE" smtClean="0"/>
-              <a:t>15.11.2018</a:t>
+              <a:t>16.11.2018</a:t>
             </a:fld>
             <a:endParaRPr lang="de-DE"/>
           </a:p>
@@ -414,7 +414,7 @@
           <a:p>
             <a:fld id="{C7D908DB-A6BF-45EC-838E-C3658A186B89}" type="datetimeFigureOut">
               <a:rPr lang="de-DE" smtClean="0"/>
-              <a:t>15.11.2018</a:t>
+              <a:t>16.11.2018</a:t>
             </a:fld>
             <a:endParaRPr lang="de-DE"/>
           </a:p>
@@ -594,7 +594,7 @@
           <a:p>
             <a:fld id="{C7D908DB-A6BF-45EC-838E-C3658A186B89}" type="datetimeFigureOut">
               <a:rPr lang="de-DE" smtClean="0"/>
-              <a:t>15.11.2018</a:t>
+              <a:t>16.11.2018</a:t>
             </a:fld>
             <a:endParaRPr lang="de-DE"/>
           </a:p>
@@ -764,7 +764,7 @@
           <a:p>
             <a:fld id="{C7D908DB-A6BF-45EC-838E-C3658A186B89}" type="datetimeFigureOut">
               <a:rPr lang="de-DE" smtClean="0"/>
-              <a:t>15.11.2018</a:t>
+              <a:t>16.11.2018</a:t>
             </a:fld>
             <a:endParaRPr lang="de-DE"/>
           </a:p>
@@ -1010,7 +1010,7 @@
           <a:p>
             <a:fld id="{C7D908DB-A6BF-45EC-838E-C3658A186B89}" type="datetimeFigureOut">
               <a:rPr lang="de-DE" smtClean="0"/>
-              <a:t>15.11.2018</a:t>
+              <a:t>16.11.2018</a:t>
             </a:fld>
             <a:endParaRPr lang="de-DE"/>
           </a:p>
@@ -1242,7 +1242,7 @@
           <a:p>
             <a:fld id="{C7D908DB-A6BF-45EC-838E-C3658A186B89}" type="datetimeFigureOut">
               <a:rPr lang="de-DE" smtClean="0"/>
-              <a:t>15.11.2018</a:t>
+              <a:t>16.11.2018</a:t>
             </a:fld>
             <a:endParaRPr lang="de-DE"/>
           </a:p>
@@ -1609,7 +1609,7 @@
           <a:p>
             <a:fld id="{C7D908DB-A6BF-45EC-838E-C3658A186B89}" type="datetimeFigureOut">
               <a:rPr lang="de-DE" smtClean="0"/>
-              <a:t>15.11.2018</a:t>
+              <a:t>16.11.2018</a:t>
             </a:fld>
             <a:endParaRPr lang="de-DE"/>
           </a:p>
@@ -1727,7 +1727,7 @@
           <a:p>
             <a:fld id="{C7D908DB-A6BF-45EC-838E-C3658A186B89}" type="datetimeFigureOut">
               <a:rPr lang="de-DE" smtClean="0"/>
-              <a:t>15.11.2018</a:t>
+              <a:t>16.11.2018</a:t>
             </a:fld>
             <a:endParaRPr lang="de-DE"/>
           </a:p>
@@ -1822,7 +1822,7 @@
           <a:p>
             <a:fld id="{C7D908DB-A6BF-45EC-838E-C3658A186B89}" type="datetimeFigureOut">
               <a:rPr lang="de-DE" smtClean="0"/>
-              <a:t>15.11.2018</a:t>
+              <a:t>16.11.2018</a:t>
             </a:fld>
             <a:endParaRPr lang="de-DE"/>
           </a:p>
@@ -2099,7 +2099,7 @@
           <a:p>
             <a:fld id="{C7D908DB-A6BF-45EC-838E-C3658A186B89}" type="datetimeFigureOut">
               <a:rPr lang="de-DE" smtClean="0"/>
-              <a:t>15.11.2018</a:t>
+              <a:t>16.11.2018</a:t>
             </a:fld>
             <a:endParaRPr lang="de-DE"/>
           </a:p>
@@ -2352,7 +2352,7 @@
           <a:p>
             <a:fld id="{C7D908DB-A6BF-45EC-838E-C3658A186B89}" type="datetimeFigureOut">
               <a:rPr lang="de-DE" smtClean="0"/>
-              <a:t>15.11.2018</a:t>
+              <a:t>16.11.2018</a:t>
             </a:fld>
             <a:endParaRPr lang="de-DE"/>
           </a:p>
@@ -2565,7 +2565,7 @@
           <a:p>
             <a:fld id="{C7D908DB-A6BF-45EC-838E-C3658A186B89}" type="datetimeFigureOut">
               <a:rPr lang="de-DE" smtClean="0"/>
-              <a:t>15.11.2018</a:t>
+              <a:t>16.11.2018</a:t>
             </a:fld>
             <a:endParaRPr lang="de-DE"/>
           </a:p>
@@ -4537,7 +4537,7 @@
         </p:nvSpPr>
         <p:spPr>
           <a:xfrm>
-            <a:off x="5814732" y="3371530"/>
+            <a:off x="6142067" y="3334811"/>
             <a:ext cx="269310" cy="369332"/>
           </a:xfrm>
           <a:prstGeom prst="rect">
@@ -4952,6 +4952,132 @@
         <p:spPr>
           <a:xfrm>
             <a:off x="5282654" y="2596186"/>
+            <a:ext cx="554473" cy="369332"/>
+          </a:xfrm>
+          <a:prstGeom prst="rect">
+            <a:avLst/>
+          </a:prstGeom>
+          <a:noFill/>
+        </p:spPr>
+        <p:txBody>
+          <a:bodyPr wrap="square" rtlCol="0">
+            <a:spAutoFit/>
+          </a:bodyPr>
+          <a:lstStyle/>
+          <a:p>
+            <a:r>
+              <a:rPr lang="de-DE" b="1" i="1" dirty="0" err="1" smtClean="0">
+                <a:latin typeface="Calibri Light" panose="020F0302020204030204" pitchFamily="34" charset="0"/>
+                <a:cs typeface="Calibri Light" panose="020F0302020204030204" pitchFamily="34" charset="0"/>
+              </a:rPr>
+              <a:t>e_d</a:t>
+            </a:r>
+            <a:endParaRPr lang="de-DE" b="1" i="1" dirty="0">
+              <a:latin typeface="Calibri Light" panose="020F0302020204030204" pitchFamily="34" charset="0"/>
+              <a:cs typeface="Calibri Light" panose="020F0302020204030204" pitchFamily="34" charset="0"/>
+            </a:endParaRPr>
+          </a:p>
+        </p:txBody>
+      </p:sp>
+      <p:sp>
+        <p:nvSpPr>
+          <p:cNvPr id="17" name="Geschweifte Klammer rechts 16"/>
+          <p:cNvSpPr/>
+          <p:nvPr/>
+        </p:nvSpPr>
+        <p:spPr>
+          <a:xfrm rot="10800000">
+            <a:off x="5866290" y="3362302"/>
+            <a:ext cx="139342" cy="774000"/>
+          </a:xfrm>
+          <a:prstGeom prst="rightBrace">
+            <a:avLst/>
+          </a:prstGeom>
+        </p:spPr>
+        <p:style>
+          <a:lnRef idx="1">
+            <a:schemeClr val="dk1"/>
+          </a:lnRef>
+          <a:fillRef idx="0">
+            <a:schemeClr val="dk1"/>
+          </a:fillRef>
+          <a:effectRef idx="0">
+            <a:schemeClr val="dk1"/>
+          </a:effectRef>
+          <a:fontRef idx="minor">
+            <a:schemeClr val="tx1"/>
+          </a:fontRef>
+        </p:style>
+        <p:txBody>
+          <a:bodyPr rtlCol="0" anchor="ctr"/>
+          <a:lstStyle/>
+          <a:p>
+            <a:pPr algn="ctr"/>
+            <a:endParaRPr lang="de-DE"/>
+          </a:p>
+        </p:txBody>
+      </p:sp>
+      <p:sp>
+        <p:nvSpPr>
+          <p:cNvPr id="22" name="Ellipse 21"/>
+          <p:cNvSpPr/>
+          <p:nvPr/>
+        </p:nvSpPr>
+        <p:spPr>
+          <a:xfrm>
+            <a:off x="6077408" y="4076665"/>
+            <a:ext cx="118800" cy="113009"/>
+          </a:xfrm>
+          <a:prstGeom prst="ellipse">
+            <a:avLst/>
+          </a:prstGeom>
+          <a:solidFill>
+            <a:schemeClr val="bg1">
+              <a:lumMod val="50000"/>
+            </a:schemeClr>
+          </a:solidFill>
+          <a:ln>
+            <a:solidFill>
+              <a:schemeClr val="bg1">
+                <a:lumMod val="50000"/>
+              </a:schemeClr>
+            </a:solidFill>
+          </a:ln>
+        </p:spPr>
+        <p:style>
+          <a:lnRef idx="2">
+            <a:schemeClr val="dk1">
+              <a:shade val="50000"/>
+            </a:schemeClr>
+          </a:lnRef>
+          <a:fillRef idx="1">
+            <a:schemeClr val="dk1"/>
+          </a:fillRef>
+          <a:effectRef idx="0">
+            <a:schemeClr val="dk1"/>
+          </a:effectRef>
+          <a:fontRef idx="minor">
+            <a:schemeClr val="lt1"/>
+          </a:fontRef>
+        </p:style>
+        <p:txBody>
+          <a:bodyPr rtlCol="0" anchor="ctr"/>
+          <a:lstStyle/>
+          <a:p>
+            <a:pPr algn="ctr"/>
+            <a:endParaRPr lang="de-DE"/>
+          </a:p>
+        </p:txBody>
+      </p:sp>
+      <p:sp>
+        <p:nvSpPr>
+          <p:cNvPr id="23" name="Textfeld 22"/>
+          <p:cNvSpPr txBox="1"/>
+          <p:nvPr/>
+        </p:nvSpPr>
+        <p:spPr>
+          <a:xfrm>
+            <a:off x="5282654" y="3532077"/>
             <a:ext cx="554473" cy="369332"/>
           </a:xfrm>
           <a:prstGeom prst="rect">

--- a/resources/fig/umsetzung/U2/concept_lane_envelope.pptx
+++ b/resources/fig/umsetzung/U2/concept_lane_envelope.pptx
@@ -7,6 +7,8 @@
   <p:sldIdLst>
     <p:sldId id="256" r:id="rId2"/>
     <p:sldId id="257" r:id="rId3"/>
+    <p:sldId id="258" r:id="rId4"/>
+    <p:sldId id="259" r:id="rId5"/>
   </p:sldIdLst>
   <p:sldSz cx="12192000" cy="6858000"/>
   <p:notesSz cx="6858000" cy="9144000"/>
@@ -244,7 +246,7 @@
           <a:p>
             <a:fld id="{C7D908DB-A6BF-45EC-838E-C3658A186B89}" type="datetimeFigureOut">
               <a:rPr lang="de-DE" smtClean="0"/>
-              <a:t>16.11.2018</a:t>
+              <a:t>19.11.2018</a:t>
             </a:fld>
             <a:endParaRPr lang="de-DE"/>
           </a:p>
@@ -414,7 +416,7 @@
           <a:p>
             <a:fld id="{C7D908DB-A6BF-45EC-838E-C3658A186B89}" type="datetimeFigureOut">
               <a:rPr lang="de-DE" smtClean="0"/>
-              <a:t>16.11.2018</a:t>
+              <a:t>19.11.2018</a:t>
             </a:fld>
             <a:endParaRPr lang="de-DE"/>
           </a:p>
@@ -594,7 +596,7 @@
           <a:p>
             <a:fld id="{C7D908DB-A6BF-45EC-838E-C3658A186B89}" type="datetimeFigureOut">
               <a:rPr lang="de-DE" smtClean="0"/>
-              <a:t>16.11.2018</a:t>
+              <a:t>19.11.2018</a:t>
             </a:fld>
             <a:endParaRPr lang="de-DE"/>
           </a:p>
@@ -764,7 +766,7 @@
           <a:p>
             <a:fld id="{C7D908DB-A6BF-45EC-838E-C3658A186B89}" type="datetimeFigureOut">
               <a:rPr lang="de-DE" smtClean="0"/>
-              <a:t>16.11.2018</a:t>
+              <a:t>19.11.2018</a:t>
             </a:fld>
             <a:endParaRPr lang="de-DE"/>
           </a:p>
@@ -1010,7 +1012,7 @@
           <a:p>
             <a:fld id="{C7D908DB-A6BF-45EC-838E-C3658A186B89}" type="datetimeFigureOut">
               <a:rPr lang="de-DE" smtClean="0"/>
-              <a:t>16.11.2018</a:t>
+              <a:t>19.11.2018</a:t>
             </a:fld>
             <a:endParaRPr lang="de-DE"/>
           </a:p>
@@ -1242,7 +1244,7 @@
           <a:p>
             <a:fld id="{C7D908DB-A6BF-45EC-838E-C3658A186B89}" type="datetimeFigureOut">
               <a:rPr lang="de-DE" smtClean="0"/>
-              <a:t>16.11.2018</a:t>
+              <a:t>19.11.2018</a:t>
             </a:fld>
             <a:endParaRPr lang="de-DE"/>
           </a:p>
@@ -1609,7 +1611,7 @@
           <a:p>
             <a:fld id="{C7D908DB-A6BF-45EC-838E-C3658A186B89}" type="datetimeFigureOut">
               <a:rPr lang="de-DE" smtClean="0"/>
-              <a:t>16.11.2018</a:t>
+              <a:t>19.11.2018</a:t>
             </a:fld>
             <a:endParaRPr lang="de-DE"/>
           </a:p>
@@ -1727,7 +1729,7 @@
           <a:p>
             <a:fld id="{C7D908DB-A6BF-45EC-838E-C3658A186B89}" type="datetimeFigureOut">
               <a:rPr lang="de-DE" smtClean="0"/>
-              <a:t>16.11.2018</a:t>
+              <a:t>19.11.2018</a:t>
             </a:fld>
             <a:endParaRPr lang="de-DE"/>
           </a:p>
@@ -1822,7 +1824,7 @@
           <a:p>
             <a:fld id="{C7D908DB-A6BF-45EC-838E-C3658A186B89}" type="datetimeFigureOut">
               <a:rPr lang="de-DE" smtClean="0"/>
-              <a:t>16.11.2018</a:t>
+              <a:t>19.11.2018</a:t>
             </a:fld>
             <a:endParaRPr lang="de-DE"/>
           </a:p>
@@ -2099,7 +2101,7 @@
           <a:p>
             <a:fld id="{C7D908DB-A6BF-45EC-838E-C3658A186B89}" type="datetimeFigureOut">
               <a:rPr lang="de-DE" smtClean="0"/>
-              <a:t>16.11.2018</a:t>
+              <a:t>19.11.2018</a:t>
             </a:fld>
             <a:endParaRPr lang="de-DE"/>
           </a:p>
@@ -2352,7 +2354,7 @@
           <a:p>
             <a:fld id="{C7D908DB-A6BF-45EC-838E-C3658A186B89}" type="datetimeFigureOut">
               <a:rPr lang="de-DE" smtClean="0"/>
-              <a:t>16.11.2018</a:t>
+              <a:t>19.11.2018</a:t>
             </a:fld>
             <a:endParaRPr lang="de-DE"/>
           </a:p>
@@ -2565,7 +2567,7 @@
           <a:p>
             <a:fld id="{C7D908DB-A6BF-45EC-838E-C3658A186B89}" type="datetimeFigureOut">
               <a:rPr lang="de-DE" smtClean="0"/>
-              <a:t>16.11.2018</a:t>
+              <a:t>19.11.2018</a:t>
             </a:fld>
             <a:endParaRPr lang="de-DE"/>
           </a:p>
@@ -5125,6 +5127,565 @@
 </p:sld>
 </file>
 
+<file path=ppt/slides/slide3.xml><?xml version="1.0" encoding="utf-8"?>
+<p:sld xmlns:a="http://schemas.openxmlformats.org/drawingml/2006/main" xmlns:r="http://schemas.openxmlformats.org/officeDocument/2006/relationships" xmlns:p="http://schemas.openxmlformats.org/presentationml/2006/main">
+  <p:cSld>
+    <p:spTree>
+      <p:nvGrpSpPr>
+        <p:cNvPr id="1" name=""/>
+        <p:cNvGrpSpPr/>
+        <p:nvPr/>
+      </p:nvGrpSpPr>
+      <p:grpSpPr>
+        <a:xfrm>
+          <a:off x="0" y="0"/>
+          <a:ext cx="0" cy="0"/>
+          <a:chOff x="0" y="0"/>
+          <a:chExt cx="0" cy="0"/>
+        </a:xfrm>
+      </p:grpSpPr>
+      <p:pic>
+        <p:nvPicPr>
+          <p:cNvPr id="2" name="Grafik 1"/>
+          <p:cNvPicPr>
+            <a:picLocks noChangeAspect="1"/>
+          </p:cNvPicPr>
+          <p:nvPr/>
+        </p:nvPicPr>
+        <p:blipFill>
+          <a:blip r:embed="rId2">
+            <a:extLst>
+              <a:ext uri="{28A0092B-C50C-407E-A947-70E740481C1C}">
+                <a14:useLocalDpi xmlns:a14="http://schemas.microsoft.com/office/drawing/2010/main" val="0"/>
+              </a:ext>
+            </a:extLst>
+          </a:blip>
+          <a:stretch>
+            <a:fillRect/>
+          </a:stretch>
+        </p:blipFill>
+        <p:spPr>
+          <a:xfrm>
+            <a:off x="967209" y="0"/>
+            <a:ext cx="10332740" cy="6693421"/>
+          </a:xfrm>
+          <a:prstGeom prst="rect">
+            <a:avLst/>
+          </a:prstGeom>
+        </p:spPr>
+      </p:pic>
+      <p:sp>
+        <p:nvSpPr>
+          <p:cNvPr id="5" name="Freihandform 4"/>
+          <p:cNvSpPr/>
+          <p:nvPr/>
+        </p:nvSpPr>
+        <p:spPr>
+          <a:xfrm>
+            <a:off x="1079156" y="2907957"/>
+            <a:ext cx="8526163" cy="1400432"/>
+          </a:xfrm>
+          <a:custGeom>
+            <a:avLst/>
+            <a:gdLst>
+              <a:gd name="connsiteX0" fmla="*/ 0 w 8526163"/>
+              <a:gd name="connsiteY0" fmla="*/ 263611 h 1400432"/>
+              <a:gd name="connsiteX1" fmla="*/ 32952 w 8526163"/>
+              <a:gd name="connsiteY1" fmla="*/ 1400432 h 1400432"/>
+              <a:gd name="connsiteX2" fmla="*/ 1136822 w 8526163"/>
+              <a:gd name="connsiteY2" fmla="*/ 1334529 h 1400432"/>
+              <a:gd name="connsiteX3" fmla="*/ 2413687 w 8526163"/>
+              <a:gd name="connsiteY3" fmla="*/ 1260389 h 1400432"/>
+              <a:gd name="connsiteX4" fmla="*/ 3525795 w 8526163"/>
+              <a:gd name="connsiteY4" fmla="*/ 1210962 h 1400432"/>
+              <a:gd name="connsiteX5" fmla="*/ 4843849 w 8526163"/>
+              <a:gd name="connsiteY5" fmla="*/ 1178011 h 1400432"/>
+              <a:gd name="connsiteX6" fmla="*/ 5618206 w 8526163"/>
+              <a:gd name="connsiteY6" fmla="*/ 1169773 h 1400432"/>
+              <a:gd name="connsiteX7" fmla="*/ 6137190 w 8526163"/>
+              <a:gd name="connsiteY7" fmla="*/ 1153297 h 1400432"/>
+              <a:gd name="connsiteX8" fmla="*/ 6944498 w 8526163"/>
+              <a:gd name="connsiteY8" fmla="*/ 980302 h 1400432"/>
+              <a:gd name="connsiteX9" fmla="*/ 7578811 w 8526163"/>
+              <a:gd name="connsiteY9" fmla="*/ 757881 h 1400432"/>
+              <a:gd name="connsiteX10" fmla="*/ 8237838 w 8526163"/>
+              <a:gd name="connsiteY10" fmla="*/ 469557 h 1400432"/>
+              <a:gd name="connsiteX11" fmla="*/ 8526163 w 8526163"/>
+              <a:gd name="connsiteY11" fmla="*/ 370702 h 1400432"/>
+              <a:gd name="connsiteX12" fmla="*/ 8138984 w 8526163"/>
+              <a:gd name="connsiteY12" fmla="*/ 230659 h 1400432"/>
+              <a:gd name="connsiteX13" fmla="*/ 7595287 w 8526163"/>
+              <a:gd name="connsiteY13" fmla="*/ 115329 h 1400432"/>
+              <a:gd name="connsiteX14" fmla="*/ 6993925 w 8526163"/>
+              <a:gd name="connsiteY14" fmla="*/ 49427 h 1400432"/>
+              <a:gd name="connsiteX15" fmla="*/ 6260757 w 8526163"/>
+              <a:gd name="connsiteY15" fmla="*/ 0 h 1400432"/>
+              <a:gd name="connsiteX16" fmla="*/ 5511114 w 8526163"/>
+              <a:gd name="connsiteY16" fmla="*/ 0 h 1400432"/>
+              <a:gd name="connsiteX17" fmla="*/ 4637903 w 8526163"/>
+              <a:gd name="connsiteY17" fmla="*/ 8238 h 1400432"/>
+              <a:gd name="connsiteX18" fmla="*/ 2356022 w 8526163"/>
+              <a:gd name="connsiteY18" fmla="*/ 98854 h 1400432"/>
+              <a:gd name="connsiteX19" fmla="*/ 0 w 8526163"/>
+              <a:gd name="connsiteY19" fmla="*/ 263611 h 1400432"/>
+            </a:gdLst>
+            <a:ahLst/>
+            <a:cxnLst>
+              <a:cxn ang="0">
+                <a:pos x="connsiteX0" y="connsiteY0"/>
+              </a:cxn>
+              <a:cxn ang="0">
+                <a:pos x="connsiteX1" y="connsiteY1"/>
+              </a:cxn>
+              <a:cxn ang="0">
+                <a:pos x="connsiteX2" y="connsiteY2"/>
+              </a:cxn>
+              <a:cxn ang="0">
+                <a:pos x="connsiteX3" y="connsiteY3"/>
+              </a:cxn>
+              <a:cxn ang="0">
+                <a:pos x="connsiteX4" y="connsiteY4"/>
+              </a:cxn>
+              <a:cxn ang="0">
+                <a:pos x="connsiteX5" y="connsiteY5"/>
+              </a:cxn>
+              <a:cxn ang="0">
+                <a:pos x="connsiteX6" y="connsiteY6"/>
+              </a:cxn>
+              <a:cxn ang="0">
+                <a:pos x="connsiteX7" y="connsiteY7"/>
+              </a:cxn>
+              <a:cxn ang="0">
+                <a:pos x="connsiteX8" y="connsiteY8"/>
+              </a:cxn>
+              <a:cxn ang="0">
+                <a:pos x="connsiteX9" y="connsiteY9"/>
+              </a:cxn>
+              <a:cxn ang="0">
+                <a:pos x="connsiteX10" y="connsiteY10"/>
+              </a:cxn>
+              <a:cxn ang="0">
+                <a:pos x="connsiteX11" y="connsiteY11"/>
+              </a:cxn>
+              <a:cxn ang="0">
+                <a:pos x="connsiteX12" y="connsiteY12"/>
+              </a:cxn>
+              <a:cxn ang="0">
+                <a:pos x="connsiteX13" y="connsiteY13"/>
+              </a:cxn>
+              <a:cxn ang="0">
+                <a:pos x="connsiteX14" y="connsiteY14"/>
+              </a:cxn>
+              <a:cxn ang="0">
+                <a:pos x="connsiteX15" y="connsiteY15"/>
+              </a:cxn>
+              <a:cxn ang="0">
+                <a:pos x="connsiteX16" y="connsiteY16"/>
+              </a:cxn>
+              <a:cxn ang="0">
+                <a:pos x="connsiteX17" y="connsiteY17"/>
+              </a:cxn>
+              <a:cxn ang="0">
+                <a:pos x="connsiteX18" y="connsiteY18"/>
+              </a:cxn>
+              <a:cxn ang="0">
+                <a:pos x="connsiteX19" y="connsiteY19"/>
+              </a:cxn>
+            </a:cxnLst>
+            <a:rect l="l" t="t" r="r" b="b"/>
+            <a:pathLst>
+              <a:path w="8526163" h="1400432">
+                <a:moveTo>
+                  <a:pt x="0" y="263611"/>
+                </a:moveTo>
+                <a:lnTo>
+                  <a:pt x="32952" y="1400432"/>
+                </a:lnTo>
+                <a:lnTo>
+                  <a:pt x="1136822" y="1334529"/>
+                </a:lnTo>
+                <a:lnTo>
+                  <a:pt x="2413687" y="1260389"/>
+                </a:lnTo>
+                <a:lnTo>
+                  <a:pt x="3525795" y="1210962"/>
+                </a:lnTo>
+                <a:lnTo>
+                  <a:pt x="4843849" y="1178011"/>
+                </a:lnTo>
+                <a:lnTo>
+                  <a:pt x="5618206" y="1169773"/>
+                </a:lnTo>
+                <a:lnTo>
+                  <a:pt x="6137190" y="1153297"/>
+                </a:lnTo>
+                <a:lnTo>
+                  <a:pt x="6944498" y="980302"/>
+                </a:lnTo>
+                <a:lnTo>
+                  <a:pt x="7578811" y="757881"/>
+                </a:lnTo>
+                <a:lnTo>
+                  <a:pt x="8237838" y="469557"/>
+                </a:lnTo>
+                <a:lnTo>
+                  <a:pt x="8526163" y="370702"/>
+                </a:lnTo>
+                <a:lnTo>
+                  <a:pt x="8138984" y="230659"/>
+                </a:lnTo>
+                <a:lnTo>
+                  <a:pt x="7595287" y="115329"/>
+                </a:lnTo>
+                <a:lnTo>
+                  <a:pt x="6993925" y="49427"/>
+                </a:lnTo>
+                <a:lnTo>
+                  <a:pt x="6260757" y="0"/>
+                </a:lnTo>
+                <a:lnTo>
+                  <a:pt x="5511114" y="0"/>
+                </a:lnTo>
+                <a:lnTo>
+                  <a:pt x="4637903" y="8238"/>
+                </a:lnTo>
+                <a:lnTo>
+                  <a:pt x="2356022" y="98854"/>
+                </a:lnTo>
+                <a:lnTo>
+                  <a:pt x="0" y="263611"/>
+                </a:lnTo>
+                <a:close/>
+              </a:path>
+            </a:pathLst>
+          </a:custGeom>
+          <a:solidFill>
+            <a:srgbClr val="FF5050">
+              <a:alpha val="25882"/>
+            </a:srgbClr>
+          </a:solidFill>
+        </p:spPr>
+        <p:style>
+          <a:lnRef idx="1">
+            <a:schemeClr val="accent2"/>
+          </a:lnRef>
+          <a:fillRef idx="2">
+            <a:schemeClr val="accent2"/>
+          </a:fillRef>
+          <a:effectRef idx="1">
+            <a:schemeClr val="accent2"/>
+          </a:effectRef>
+          <a:fontRef idx="minor">
+            <a:schemeClr val="dk1"/>
+          </a:fontRef>
+        </p:style>
+        <p:txBody>
+          <a:bodyPr rtlCol="0" anchor="ctr"/>
+          <a:lstStyle/>
+          <a:p>
+            <a:pPr algn="ctr"/>
+            <a:endParaRPr lang="de-DE"/>
+          </a:p>
+        </p:txBody>
+      </p:sp>
+      <p:sp>
+        <p:nvSpPr>
+          <p:cNvPr id="6" name="Ellipse 5"/>
+          <p:cNvSpPr/>
+          <p:nvPr/>
+        </p:nvSpPr>
+        <p:spPr>
+          <a:xfrm>
+            <a:off x="8676653" y="3573487"/>
+            <a:ext cx="144000" cy="144000"/>
+          </a:xfrm>
+          <a:prstGeom prst="ellipse">
+            <a:avLst/>
+          </a:prstGeom>
+          <a:solidFill>
+            <a:srgbClr val="FF0000"/>
+          </a:solidFill>
+          <a:ln>
+            <a:solidFill>
+              <a:srgbClr val="FF0000"/>
+            </a:solidFill>
+          </a:ln>
+        </p:spPr>
+        <p:style>
+          <a:lnRef idx="2">
+            <a:schemeClr val="dk1">
+              <a:shade val="50000"/>
+            </a:schemeClr>
+          </a:lnRef>
+          <a:fillRef idx="1">
+            <a:schemeClr val="dk1"/>
+          </a:fillRef>
+          <a:effectRef idx="0">
+            <a:schemeClr val="dk1"/>
+          </a:effectRef>
+          <a:fontRef idx="minor">
+            <a:schemeClr val="lt1"/>
+          </a:fontRef>
+        </p:style>
+        <p:txBody>
+          <a:bodyPr rtlCol="0" anchor="ctr"/>
+          <a:lstStyle/>
+          <a:p>
+            <a:pPr algn="ctr"/>
+            <a:endParaRPr lang="de-DE"/>
+          </a:p>
+        </p:txBody>
+      </p:sp>
+      <p:sp>
+        <p:nvSpPr>
+          <p:cNvPr id="8" name="Ellipse 7"/>
+          <p:cNvSpPr/>
+          <p:nvPr/>
+        </p:nvSpPr>
+        <p:spPr>
+          <a:xfrm>
+            <a:off x="1054442" y="3661963"/>
+            <a:ext cx="144000" cy="144000"/>
+          </a:xfrm>
+          <a:prstGeom prst="ellipse">
+            <a:avLst/>
+          </a:prstGeom>
+          <a:solidFill>
+            <a:srgbClr val="FF0000"/>
+          </a:solidFill>
+          <a:ln>
+            <a:solidFill>
+              <a:srgbClr val="FF0000"/>
+            </a:solidFill>
+          </a:ln>
+        </p:spPr>
+        <p:style>
+          <a:lnRef idx="2">
+            <a:schemeClr val="dk1">
+              <a:shade val="50000"/>
+            </a:schemeClr>
+          </a:lnRef>
+          <a:fillRef idx="1">
+            <a:schemeClr val="dk1"/>
+          </a:fillRef>
+          <a:effectRef idx="0">
+            <a:schemeClr val="dk1"/>
+          </a:effectRef>
+          <a:fontRef idx="minor">
+            <a:schemeClr val="lt1"/>
+          </a:fontRef>
+        </p:style>
+        <p:txBody>
+          <a:bodyPr rtlCol="0" anchor="ctr"/>
+          <a:lstStyle/>
+          <a:p>
+            <a:pPr algn="ctr"/>
+            <a:endParaRPr lang="de-DE"/>
+          </a:p>
+        </p:txBody>
+      </p:sp>
+    </p:spTree>
+    <p:extLst>
+      <p:ext uri="{BB962C8B-B14F-4D97-AF65-F5344CB8AC3E}">
+        <p14:creationId xmlns:p14="http://schemas.microsoft.com/office/powerpoint/2010/main" val="3823905711"/>
+      </p:ext>
+    </p:extLst>
+  </p:cSld>
+  <p:clrMapOvr>
+    <a:masterClrMapping/>
+  </p:clrMapOvr>
+</p:sld>
+</file>
+
+<file path=ppt/slides/slide4.xml><?xml version="1.0" encoding="utf-8"?>
+<p:sld xmlns:a="http://schemas.openxmlformats.org/drawingml/2006/main" xmlns:r="http://schemas.openxmlformats.org/officeDocument/2006/relationships" xmlns:p="http://schemas.openxmlformats.org/presentationml/2006/main">
+  <p:cSld>
+    <p:spTree>
+      <p:nvGrpSpPr>
+        <p:cNvPr id="1" name=""/>
+        <p:cNvGrpSpPr/>
+        <p:nvPr/>
+      </p:nvGrpSpPr>
+      <p:grpSpPr>
+        <a:xfrm>
+          <a:off x="0" y="0"/>
+          <a:ext cx="0" cy="0"/>
+          <a:chOff x="0" y="0"/>
+          <a:chExt cx="0" cy="0"/>
+        </a:xfrm>
+      </p:grpSpPr>
+      <p:pic>
+        <p:nvPicPr>
+          <p:cNvPr id="2" name="Grafik 1"/>
+          <p:cNvPicPr>
+            <a:picLocks noChangeAspect="1"/>
+          </p:cNvPicPr>
+          <p:nvPr/>
+        </p:nvPicPr>
+        <p:blipFill>
+          <a:blip r:embed="rId2">
+            <a:extLst>
+              <a:ext uri="{28A0092B-C50C-407E-A947-70E740481C1C}">
+                <a14:useLocalDpi xmlns:a14="http://schemas.microsoft.com/office/drawing/2010/main" val="0"/>
+              </a:ext>
+            </a:extLst>
+          </a:blip>
+          <a:stretch>
+            <a:fillRect/>
+          </a:stretch>
+        </p:blipFill>
+        <p:spPr>
+          <a:xfrm>
+            <a:off x="1007593" y="970556"/>
+            <a:ext cx="10176813" cy="4916887"/>
+          </a:xfrm>
+          <a:prstGeom prst="rect">
+            <a:avLst/>
+          </a:prstGeom>
+          <a:ln>
+            <a:solidFill>
+              <a:schemeClr val="tx1"/>
+            </a:solidFill>
+          </a:ln>
+        </p:spPr>
+      </p:pic>
+      <p:sp>
+        <p:nvSpPr>
+          <p:cNvPr id="3" name="Textfeld 2"/>
+          <p:cNvSpPr txBox="1"/>
+          <p:nvPr/>
+        </p:nvSpPr>
+        <p:spPr>
+          <a:xfrm>
+            <a:off x="1103871" y="2759675"/>
+            <a:ext cx="667265" cy="369332"/>
+          </a:xfrm>
+          <a:prstGeom prst="rect">
+            <a:avLst/>
+          </a:prstGeom>
+          <a:noFill/>
+        </p:spPr>
+        <p:txBody>
+          <a:bodyPr wrap="square" rtlCol="0">
+            <a:spAutoFit/>
+          </a:bodyPr>
+          <a:lstStyle/>
+          <a:p>
+            <a:r>
+              <a:rPr lang="de-DE" i="1" dirty="0" smtClean="0"/>
+              <a:t>b_1</a:t>
+            </a:r>
+            <a:endParaRPr lang="de-DE" i="1" dirty="0"/>
+          </a:p>
+        </p:txBody>
+      </p:sp>
+      <p:sp>
+        <p:nvSpPr>
+          <p:cNvPr id="4" name="Textfeld 3"/>
+          <p:cNvSpPr txBox="1"/>
+          <p:nvPr/>
+        </p:nvSpPr>
+        <p:spPr>
+          <a:xfrm>
+            <a:off x="8546758" y="2656701"/>
+            <a:ext cx="539578" cy="369332"/>
+          </a:xfrm>
+          <a:prstGeom prst="rect">
+            <a:avLst/>
+          </a:prstGeom>
+          <a:noFill/>
+        </p:spPr>
+        <p:txBody>
+          <a:bodyPr wrap="square" rtlCol="0">
+            <a:spAutoFit/>
+          </a:bodyPr>
+          <a:lstStyle/>
+          <a:p>
+            <a:r>
+              <a:rPr lang="de-DE" i="1" dirty="0"/>
+              <a:t>b</a:t>
+            </a:r>
+            <a:r>
+              <a:rPr lang="de-DE" i="1" dirty="0" smtClean="0"/>
+              <a:t>_2</a:t>
+            </a:r>
+            <a:endParaRPr lang="de-DE" i="1" dirty="0"/>
+          </a:p>
+        </p:txBody>
+      </p:sp>
+      <p:sp>
+        <p:nvSpPr>
+          <p:cNvPr id="5" name="Textfeld 4"/>
+          <p:cNvSpPr txBox="1"/>
+          <p:nvPr/>
+        </p:nvSpPr>
+        <p:spPr>
+          <a:xfrm>
+            <a:off x="10644828" y="2010030"/>
+            <a:ext cx="539578" cy="369332"/>
+          </a:xfrm>
+          <a:prstGeom prst="rect">
+            <a:avLst/>
+          </a:prstGeom>
+          <a:noFill/>
+        </p:spPr>
+        <p:txBody>
+          <a:bodyPr wrap="square" rtlCol="0">
+            <a:spAutoFit/>
+          </a:bodyPr>
+          <a:lstStyle/>
+          <a:p>
+            <a:r>
+              <a:rPr lang="de-DE" i="1" dirty="0" smtClean="0"/>
+              <a:t>l_1</a:t>
+            </a:r>
+            <a:endParaRPr lang="de-DE" i="1" dirty="0"/>
+          </a:p>
+        </p:txBody>
+      </p:sp>
+      <p:sp>
+        <p:nvSpPr>
+          <p:cNvPr id="6" name="Textfeld 5"/>
+          <p:cNvSpPr txBox="1"/>
+          <p:nvPr/>
+        </p:nvSpPr>
+        <p:spPr>
+          <a:xfrm>
+            <a:off x="10644828" y="3834711"/>
+            <a:ext cx="539578" cy="369332"/>
+          </a:xfrm>
+          <a:prstGeom prst="rect">
+            <a:avLst/>
+          </a:prstGeom>
+          <a:noFill/>
+        </p:spPr>
+        <p:txBody>
+          <a:bodyPr wrap="square" rtlCol="0">
+            <a:spAutoFit/>
+          </a:bodyPr>
+          <a:lstStyle/>
+          <a:p>
+            <a:r>
+              <a:rPr lang="de-DE" i="1" dirty="0" smtClean="0"/>
+              <a:t>l_2</a:t>
+            </a:r>
+            <a:endParaRPr lang="de-DE" i="1" dirty="0"/>
+          </a:p>
+        </p:txBody>
+      </p:sp>
+    </p:spTree>
+    <p:extLst>
+      <p:ext uri="{BB962C8B-B14F-4D97-AF65-F5344CB8AC3E}">
+        <p14:creationId xmlns:p14="http://schemas.microsoft.com/office/powerpoint/2010/main" val="502864104"/>
+      </p:ext>
+    </p:extLst>
+  </p:cSld>
+  <p:clrMapOvr>
+    <a:masterClrMapping/>
+  </p:clrMapOvr>
+</p:sld>
+</file>
+
 <file path=ppt/theme/theme1.xml><?xml version="1.0" encoding="utf-8"?>
 <a:theme xmlns:a="http://schemas.openxmlformats.org/drawingml/2006/main" name="Larissa">
   <a:themeElements>

--- a/resources/fig/umsetzung/U2/concept_lane_envelope.pptx
+++ b/resources/fig/umsetzung/U2/concept_lane_envelope.pptx
@@ -5557,8 +5557,8 @@
         </p:nvSpPr>
         <p:spPr>
           <a:xfrm>
-            <a:off x="1103871" y="2759675"/>
-            <a:ext cx="667265" cy="369332"/>
+            <a:off x="1112109" y="2714367"/>
+            <a:ext cx="667265" cy="400110"/>
           </a:xfrm>
           <a:prstGeom prst="rect">
             <a:avLst/>
@@ -5572,10 +5572,10 @@
           <a:lstStyle/>
           <a:p>
             <a:r>
-              <a:rPr lang="de-DE" i="1" dirty="0" smtClean="0"/>
+              <a:rPr lang="de-DE" sz="2000" b="1" i="1" dirty="0" smtClean="0"/>
               <a:t>b_1</a:t>
             </a:r>
-            <a:endParaRPr lang="de-DE" i="1" dirty="0"/>
+            <a:endParaRPr lang="de-DE" sz="2000" b="1" i="1" dirty="0"/>
           </a:p>
         </p:txBody>
       </p:sp>
@@ -5587,8 +5587,8 @@
         </p:nvSpPr>
         <p:spPr>
           <a:xfrm>
-            <a:off x="8546758" y="2656701"/>
-            <a:ext cx="539578" cy="369332"/>
+            <a:off x="8546757" y="2599035"/>
+            <a:ext cx="630193" cy="400110"/>
           </a:xfrm>
           <a:prstGeom prst="rect">
             <a:avLst/>
@@ -5602,14 +5602,14 @@
           <a:lstStyle/>
           <a:p>
             <a:r>
-              <a:rPr lang="de-DE" i="1" dirty="0"/>
+              <a:rPr lang="de-DE" sz="2000" b="1" i="1" dirty="0"/>
               <a:t>b</a:t>
             </a:r>
             <a:r>
-              <a:rPr lang="de-DE" i="1" dirty="0" smtClean="0"/>
+              <a:rPr lang="de-DE" sz="2000" b="1" i="1" dirty="0" smtClean="0"/>
               <a:t>_2</a:t>
             </a:r>
-            <a:endParaRPr lang="de-DE" i="1" dirty="0"/>
+            <a:endParaRPr lang="de-DE" sz="2000" b="1" i="1" dirty="0"/>
           </a:p>
         </p:txBody>
       </p:sp>
@@ -5621,8 +5621,8 @@
         </p:nvSpPr>
         <p:spPr>
           <a:xfrm>
-            <a:off x="10644828" y="2010030"/>
-            <a:ext cx="539578" cy="369332"/>
+            <a:off x="10644828" y="1573425"/>
+            <a:ext cx="539578" cy="400110"/>
           </a:xfrm>
           <a:prstGeom prst="rect">
             <a:avLst/>
@@ -5636,10 +5636,10 @@
           <a:lstStyle/>
           <a:p>
             <a:r>
-              <a:rPr lang="de-DE" i="1" dirty="0" smtClean="0"/>
+              <a:rPr lang="de-DE" sz="2000" b="1" i="1" dirty="0" smtClean="0"/>
               <a:t>l_1</a:t>
             </a:r>
-            <a:endParaRPr lang="de-DE" i="1" dirty="0"/>
+            <a:endParaRPr lang="de-DE" sz="2000" b="1" i="1" dirty="0"/>
           </a:p>
         </p:txBody>
       </p:sp>
@@ -5651,8 +5651,8 @@
         </p:nvSpPr>
         <p:spPr>
           <a:xfrm>
-            <a:off x="10644828" y="3834711"/>
-            <a:ext cx="539578" cy="369332"/>
+            <a:off x="10628352" y="3834711"/>
+            <a:ext cx="539578" cy="400110"/>
           </a:xfrm>
           <a:prstGeom prst="rect">
             <a:avLst/>
@@ -5666,10 +5666,10 @@
           <a:lstStyle/>
           <a:p>
             <a:r>
-              <a:rPr lang="de-DE" i="1" dirty="0" smtClean="0"/>
+              <a:rPr lang="de-DE" sz="2000" b="1" i="1" dirty="0" smtClean="0"/>
               <a:t>l_2</a:t>
             </a:r>
-            <a:endParaRPr lang="de-DE" i="1" dirty="0"/>
+            <a:endParaRPr lang="de-DE" sz="2000" b="1" i="1" dirty="0"/>
           </a:p>
         </p:txBody>
       </p:sp>
